--- a/OLIST STORE ANALYSIS PIYUSH PRADHAN PPT.pptx
+++ b/OLIST STORE ANALYSIS PIYUSH PRADHAN PPT.pptx
@@ -17,8 +17,9 @@
     <p:sldId id="266" r:id="rId11"/>
     <p:sldId id="267" r:id="rId12"/>
     <p:sldId id="268" r:id="rId13"/>
-    <p:sldId id="269" r:id="rId14"/>
-    <p:sldId id="270" r:id="rId15"/>
+    <p:sldId id="271" r:id="rId14"/>
+    <p:sldId id="269" r:id="rId15"/>
+    <p:sldId id="270" r:id="rId16"/>
   </p:sldIdLst>
   <p:sldSz cx="12192000" cy="6858000"/>
   <p:notesSz cx="6858000" cy="9144000"/>
@@ -1051,7 +1052,7 @@
                     <a:fld id="{074880B8-2342-4E90-A8C6-E555F711E6BB}" type="VALUE">
                       <a:rPr lang="en-US" sz="1400" baseline="0"/>
                       <a:pPr>
-                        <a:defRPr sz="1400" baseline="0"/>
+                        <a:defRPr sz="1400"/>
                       </a:pPr>
                       <a:t>[VALUE]</a:t>
                     </a:fld>
@@ -1062,7 +1063,7 @@
                     <a:fld id="{8E46C132-FA5F-4936-9DD7-A6E404672BEC}" type="PERCENTAGE">
                       <a:rPr lang="en-US" sz="1400" baseline="0"/>
                       <a:pPr>
-                        <a:defRPr sz="1400" baseline="0"/>
+                        <a:defRPr sz="1400"/>
                       </a:pPr>
                       <a:t>[PERCENTAGE]</a:t>
                     </a:fld>
@@ -1146,7 +1147,7 @@
                     <a:fld id="{F746D2E5-CCD1-448A-BF3D-BDC3D5F4E672}" type="VALUE">
                       <a:rPr lang="en-US" sz="1400" baseline="0"/>
                       <a:pPr>
-                        <a:defRPr sz="1400" baseline="0"/>
+                        <a:defRPr sz="1400"/>
                       </a:pPr>
                       <a:t>[VALUE]</a:t>
                     </a:fld>
@@ -1157,7 +1158,7 @@
                     <a:fld id="{35A0D011-C447-4AC3-B751-845D68EB3B69}" type="PERCENTAGE">
                       <a:rPr lang="en-US" sz="1400" baseline="0"/>
                       <a:pPr>
-                        <a:defRPr sz="1400" baseline="0"/>
+                        <a:defRPr sz="1400"/>
                       </a:pPr>
                       <a:t>[PERCENTAGE]</a:t>
                     </a:fld>
@@ -11837,7 +11838,7 @@
           <a:p>
             <a:fld id="{DB83D296-27CC-42A1-90BD-332C7FD34240}" type="datetimeFigureOut">
               <a:rPr lang="en-IN" smtClean="0"/>
-              <a:t>08-05-2024</a:t>
+              <a:t>09-05-2024</a:t>
             </a:fld>
             <a:endParaRPr lang="en-IN"/>
           </a:p>
@@ -12037,7 +12038,7 @@
           <a:p>
             <a:fld id="{DB83D296-27CC-42A1-90BD-332C7FD34240}" type="datetimeFigureOut">
               <a:rPr lang="en-IN" smtClean="0"/>
-              <a:t>08-05-2024</a:t>
+              <a:t>09-05-2024</a:t>
             </a:fld>
             <a:endParaRPr lang="en-IN"/>
           </a:p>
@@ -12247,7 +12248,7 @@
           <a:p>
             <a:fld id="{DB83D296-27CC-42A1-90BD-332C7FD34240}" type="datetimeFigureOut">
               <a:rPr lang="en-IN" smtClean="0"/>
-              <a:t>08-05-2024</a:t>
+              <a:t>09-05-2024</a:t>
             </a:fld>
             <a:endParaRPr lang="en-IN"/>
           </a:p>
@@ -12447,7 +12448,7 @@
           <a:p>
             <a:fld id="{DB83D296-27CC-42A1-90BD-332C7FD34240}" type="datetimeFigureOut">
               <a:rPr lang="en-IN" smtClean="0"/>
-              <a:t>08-05-2024</a:t>
+              <a:t>09-05-2024</a:t>
             </a:fld>
             <a:endParaRPr lang="en-IN"/>
           </a:p>
@@ -12723,7 +12724,7 @@
           <a:p>
             <a:fld id="{DB83D296-27CC-42A1-90BD-332C7FD34240}" type="datetimeFigureOut">
               <a:rPr lang="en-IN" smtClean="0"/>
-              <a:t>08-05-2024</a:t>
+              <a:t>09-05-2024</a:t>
             </a:fld>
             <a:endParaRPr lang="en-IN"/>
           </a:p>
@@ -12991,7 +12992,7 @@
           <a:p>
             <a:fld id="{DB83D296-27CC-42A1-90BD-332C7FD34240}" type="datetimeFigureOut">
               <a:rPr lang="en-IN" smtClean="0"/>
-              <a:t>08-05-2024</a:t>
+              <a:t>09-05-2024</a:t>
             </a:fld>
             <a:endParaRPr lang="en-IN"/>
           </a:p>
@@ -13406,7 +13407,7 @@
           <a:p>
             <a:fld id="{DB83D296-27CC-42A1-90BD-332C7FD34240}" type="datetimeFigureOut">
               <a:rPr lang="en-IN" smtClean="0"/>
-              <a:t>08-05-2024</a:t>
+              <a:t>09-05-2024</a:t>
             </a:fld>
             <a:endParaRPr lang="en-IN"/>
           </a:p>
@@ -13548,7 +13549,7 @@
           <a:p>
             <a:fld id="{DB83D296-27CC-42A1-90BD-332C7FD34240}" type="datetimeFigureOut">
               <a:rPr lang="en-IN" smtClean="0"/>
-              <a:t>08-05-2024</a:t>
+              <a:t>09-05-2024</a:t>
             </a:fld>
             <a:endParaRPr lang="en-IN"/>
           </a:p>
@@ -13661,7 +13662,7 @@
           <a:p>
             <a:fld id="{DB83D296-27CC-42A1-90BD-332C7FD34240}" type="datetimeFigureOut">
               <a:rPr lang="en-IN" smtClean="0"/>
-              <a:t>08-05-2024</a:t>
+              <a:t>09-05-2024</a:t>
             </a:fld>
             <a:endParaRPr lang="en-IN"/>
           </a:p>
@@ -13974,7 +13975,7 @@
           <a:p>
             <a:fld id="{DB83D296-27CC-42A1-90BD-332C7FD34240}" type="datetimeFigureOut">
               <a:rPr lang="en-IN" smtClean="0"/>
-              <a:t>08-05-2024</a:t>
+              <a:t>09-05-2024</a:t>
             </a:fld>
             <a:endParaRPr lang="en-IN"/>
           </a:p>
@@ -14263,7 +14264,7 @@
           <a:p>
             <a:fld id="{DB83D296-27CC-42A1-90BD-332C7FD34240}" type="datetimeFigureOut">
               <a:rPr lang="en-IN" smtClean="0"/>
-              <a:t>08-05-2024</a:t>
+              <a:t>09-05-2024</a:t>
             </a:fld>
             <a:endParaRPr lang="en-IN"/>
           </a:p>
@@ -14516,7 +14517,7 @@
           <a:p>
             <a:fld id="{DB83D296-27CC-42A1-90BD-332C7FD34240}" type="datetimeFigureOut">
               <a:rPr lang="en-IN" smtClean="0"/>
-              <a:t>08-05-2024</a:t>
+              <a:t>09-05-2024</a:t>
             </a:fld>
             <a:endParaRPr lang="en-IN"/>
           </a:p>
@@ -15090,13 +15091,13 @@
   <p:clrMapOvr>
     <a:masterClrMapping/>
   </p:clrMapOvr>
-  <mc:AlternateContent xmlns:mc="http://schemas.openxmlformats.org/markup-compatibility/2006">
-    <mc:Choice xmlns:p159="http://schemas.microsoft.com/office/powerpoint/2015/09/main" Requires="p159">
+  <mc:AlternateContent xmlns:mc="http://schemas.openxmlformats.org/markup-compatibility/2006" xmlns:p159="http://schemas.microsoft.com/office/powerpoint/2015/09/main">
+    <mc:Choice Requires="p159">
       <p:transition spd="med">
         <p159:morph option="byObject"/>
       </p:transition>
     </mc:Choice>
-    <mc:Fallback>
+    <mc:Fallback xmlns="">
       <p:transition spd="med">
         <p:fade/>
       </p:transition>
@@ -15660,6 +15661,50 @@
           </a:prstGeom>
         </p:spPr>
       </p:pic>
+      <p:sp>
+        <p:nvSpPr>
+          <p:cNvPr id="2" name="TextBox 1">
+            <a:extLst>
+              <a:ext uri="{FF2B5EF4-FFF2-40B4-BE49-F238E27FC236}">
+                <a16:creationId xmlns:a16="http://schemas.microsoft.com/office/drawing/2014/main" id="{AB2756CD-9CBB-FF81-44C0-516845C34F85}"/>
+              </a:ext>
+            </a:extLst>
+          </p:cNvPr>
+          <p:cNvSpPr txBox="1"/>
+          <p:nvPr/>
+        </p:nvSpPr>
+        <p:spPr>
+          <a:xfrm>
+            <a:off x="9978657" y="1808438"/>
+            <a:ext cx="1026042" cy="369332"/>
+          </a:xfrm>
+          <a:prstGeom prst="rect">
+            <a:avLst/>
+          </a:prstGeom>
+          <a:noFill/>
+        </p:spPr>
+        <p:txBody>
+          <a:bodyPr wrap="square">
+            <a:spAutoFit/>
+          </a:bodyPr>
+          <a:lstStyle/>
+          <a:p>
+            <a:r>
+              <a:rPr lang="en-US" sz="1800" b="1" kern="1200" dirty="0">
+                <a:solidFill>
+                  <a:srgbClr val="404040"/>
+                </a:solidFill>
+                <a:effectLst/>
+                <a:latin typeface="Product Sans" panose="020B0403030502040203" pitchFamily="34" charset="0"/>
+                <a:ea typeface="+mn-ea"/>
+                <a:cs typeface="+mn-cs"/>
+              </a:rPr>
+              <a:t>(Chart)</a:t>
+            </a:r>
+            <a:endParaRPr lang="en-IN" dirty="0"/>
+          </a:p>
+        </p:txBody>
+      </p:sp>
     </p:spTree>
     <p:extLst>
       <p:ext uri="{BB962C8B-B14F-4D97-AF65-F5344CB8AC3E}">
@@ -15670,13 +15715,13 @@
   <p:clrMapOvr>
     <a:masterClrMapping/>
   </p:clrMapOvr>
-  <mc:AlternateContent xmlns:mc="http://schemas.openxmlformats.org/markup-compatibility/2006">
-    <mc:Choice xmlns:p159="http://schemas.microsoft.com/office/powerpoint/2015/09/main" Requires="p159">
+  <mc:AlternateContent xmlns:mc="http://schemas.openxmlformats.org/markup-compatibility/2006" xmlns:p159="http://schemas.microsoft.com/office/powerpoint/2015/09/main">
+    <mc:Choice Requires="p159">
       <p:transition spd="med">
         <p159:morph option="byObject"/>
       </p:transition>
     </mc:Choice>
-    <mc:Fallback>
+    <mc:Fallback xmlns="">
       <p:transition spd="med">
         <p:fade/>
       </p:transition>
@@ -16329,13 +16374,13 @@
   <p:clrMapOvr>
     <a:masterClrMapping/>
   </p:clrMapOvr>
-  <mc:AlternateContent xmlns:mc="http://schemas.openxmlformats.org/markup-compatibility/2006">
-    <mc:Choice xmlns:p159="http://schemas.microsoft.com/office/powerpoint/2015/09/main" Requires="p159">
+  <mc:AlternateContent xmlns:mc="http://schemas.openxmlformats.org/markup-compatibility/2006" xmlns:p159="http://schemas.microsoft.com/office/powerpoint/2015/09/main">
+    <mc:Choice Requires="p159">
       <p:transition spd="med">
         <p159:morph option="byObject"/>
       </p:transition>
     </mc:Choice>
-    <mc:Fallback>
+    <mc:Fallback xmlns="">
       <p:transition spd="med">
         <p:fade/>
       </p:transition>
@@ -16782,6 +16827,50 @@
           </a:prstGeom>
         </p:spPr>
       </p:pic>
+      <p:sp>
+        <p:nvSpPr>
+          <p:cNvPr id="7" name="TextBox 6">
+            <a:extLst>
+              <a:ext uri="{FF2B5EF4-FFF2-40B4-BE49-F238E27FC236}">
+                <a16:creationId xmlns:a16="http://schemas.microsoft.com/office/drawing/2014/main" id="{4CF26BEC-D0D8-8045-9FEC-74D09CFDD225}"/>
+              </a:ext>
+            </a:extLst>
+          </p:cNvPr>
+          <p:cNvSpPr txBox="1"/>
+          <p:nvPr/>
+        </p:nvSpPr>
+        <p:spPr>
+          <a:xfrm>
+            <a:off x="9884836" y="6237502"/>
+            <a:ext cx="986979" cy="369332"/>
+          </a:xfrm>
+          <a:prstGeom prst="rect">
+            <a:avLst/>
+          </a:prstGeom>
+          <a:noFill/>
+        </p:spPr>
+        <p:txBody>
+          <a:bodyPr wrap="square">
+            <a:spAutoFit/>
+          </a:bodyPr>
+          <a:lstStyle/>
+          <a:p>
+            <a:r>
+              <a:rPr lang="en-US" sz="1800" b="1" kern="1200" dirty="0">
+                <a:solidFill>
+                  <a:srgbClr val="404040"/>
+                </a:solidFill>
+                <a:effectLst/>
+                <a:latin typeface="Product Sans" panose="020B0403030502040203" pitchFamily="34" charset="0"/>
+                <a:ea typeface="+mn-ea"/>
+                <a:cs typeface="+mn-cs"/>
+              </a:rPr>
+              <a:t>(Chart)</a:t>
+            </a:r>
+            <a:endParaRPr lang="en-IN" dirty="0"/>
+          </a:p>
+        </p:txBody>
+      </p:sp>
     </p:spTree>
     <p:extLst>
       <p:ext uri="{BB962C8B-B14F-4D97-AF65-F5344CB8AC3E}">
@@ -16792,13 +16881,13 @@
   <p:clrMapOvr>
     <a:masterClrMapping/>
   </p:clrMapOvr>
-  <mc:AlternateContent xmlns:mc="http://schemas.openxmlformats.org/markup-compatibility/2006">
-    <mc:Choice xmlns:p159="http://schemas.microsoft.com/office/powerpoint/2015/09/main" Requires="p159">
+  <mc:AlternateContent xmlns:mc="http://schemas.openxmlformats.org/markup-compatibility/2006" xmlns:p159="http://schemas.microsoft.com/office/powerpoint/2015/09/main">
+    <mc:Choice Requires="p159">
       <p:transition spd="med">
         <p159:morph option="byObject"/>
       </p:transition>
     </mc:Choice>
-    <mc:Fallback>
+    <mc:Fallback xmlns="">
       <p:transition spd="med">
         <p:fade/>
       </p:transition>
@@ -16808,6 +16897,406 @@
 </file>
 
 <file path=ppt/slides/slide13.xml><?xml version="1.0" encoding="utf-8"?>
+<p:sld xmlns:a="http://schemas.openxmlformats.org/drawingml/2006/main" xmlns:r="http://schemas.openxmlformats.org/officeDocument/2006/relationships" xmlns:p="http://schemas.openxmlformats.org/presentationml/2006/main">
+  <p:cSld>
+    <p:spTree>
+      <p:nvGrpSpPr>
+        <p:cNvPr id="1" name=""/>
+        <p:cNvGrpSpPr/>
+        <p:nvPr/>
+      </p:nvGrpSpPr>
+      <p:grpSpPr>
+        <a:xfrm>
+          <a:off x="0" y="0"/>
+          <a:ext cx="0" cy="0"/>
+          <a:chOff x="0" y="0"/>
+          <a:chExt cx="0" cy="0"/>
+        </a:xfrm>
+      </p:grpSpPr>
+      <p:sp>
+        <p:nvSpPr>
+          <p:cNvPr id="6" name="Oval 5">
+            <a:extLst>
+              <a:ext uri="{FF2B5EF4-FFF2-40B4-BE49-F238E27FC236}">
+                <a16:creationId xmlns:a16="http://schemas.microsoft.com/office/drawing/2014/main" id="{72879B5E-617E-51C0-9583-27C0A5924A9C}"/>
+              </a:ext>
+            </a:extLst>
+          </p:cNvPr>
+          <p:cNvSpPr>
+            <a:spLocks/>
+          </p:cNvSpPr>
+          <p:nvPr/>
+        </p:nvSpPr>
+        <p:spPr>
+          <a:xfrm>
+            <a:off x="5254134" y="108150"/>
+            <a:ext cx="1683731" cy="1700463"/>
+          </a:xfrm>
+          <a:prstGeom prst="ellipse">
+            <a:avLst/>
+          </a:prstGeom>
+          <a:solidFill>
+            <a:srgbClr val="476AFF"/>
+          </a:solidFill>
+          <a:ln>
+            <a:noFill/>
+          </a:ln>
+        </p:spPr>
+        <p:style>
+          <a:lnRef idx="2">
+            <a:schemeClr val="accent1">
+              <a:shade val="15000"/>
+            </a:schemeClr>
+          </a:lnRef>
+          <a:fillRef idx="1">
+            <a:schemeClr val="accent1"/>
+          </a:fillRef>
+          <a:effectRef idx="0">
+            <a:schemeClr val="accent1"/>
+          </a:effectRef>
+          <a:fontRef idx="minor">
+            <a:schemeClr val="lt1"/>
+          </a:fontRef>
+        </p:style>
+        <p:txBody>
+          <a:bodyPr rtlCol="0" anchor="ctr"/>
+          <a:lstStyle/>
+          <a:p>
+            <a:pPr algn="ctr"/>
+            <a:endParaRPr lang="en-IN"/>
+          </a:p>
+        </p:txBody>
+      </p:sp>
+      <p:grpSp>
+        <p:nvGrpSpPr>
+          <p:cNvPr id="29" name="Group 28">
+            <a:extLst>
+              <a:ext uri="{FF2B5EF4-FFF2-40B4-BE49-F238E27FC236}">
+                <a16:creationId xmlns:a16="http://schemas.microsoft.com/office/drawing/2014/main" id="{653D84DF-0273-CFDD-B0E6-637AEC6F12AD}"/>
+              </a:ext>
+            </a:extLst>
+          </p:cNvPr>
+          <p:cNvGrpSpPr/>
+          <p:nvPr/>
+        </p:nvGrpSpPr>
+        <p:grpSpPr>
+          <a:xfrm rot="20469772">
+            <a:off x="13995940" y="2313088"/>
+            <a:ext cx="2985230" cy="2985230"/>
+            <a:chOff x="7602639" y="5698249"/>
+            <a:chExt cx="914400" cy="914400"/>
+          </a:xfrm>
+        </p:grpSpPr>
+        <p:pic>
+          <p:nvPicPr>
+            <p:cNvPr id="15" name="Graphic 14" descr="Database with solid fill">
+              <a:extLst>
+                <a:ext uri="{FF2B5EF4-FFF2-40B4-BE49-F238E27FC236}">
+                  <a16:creationId xmlns:a16="http://schemas.microsoft.com/office/drawing/2014/main" id="{469DAB37-10F8-0D07-0DD0-BFDD10B9F3CE}"/>
+                </a:ext>
+              </a:extLst>
+            </p:cNvPr>
+            <p:cNvPicPr>
+              <a:picLocks noChangeAspect="1"/>
+            </p:cNvPicPr>
+            <p:nvPr/>
+          </p:nvPicPr>
+          <p:blipFill>
+            <a:blip r:embed="rId2">
+              <a:extLst>
+                <a:ext uri="{28A0092B-C50C-407E-A947-70E740481C1C}">
+                  <a14:useLocalDpi xmlns:a14="http://schemas.microsoft.com/office/drawing/2010/main" val="0"/>
+                </a:ext>
+                <a:ext uri="{96DAC541-7B7A-43D3-8B79-37D633B846F1}">
+                  <asvg:svgBlip xmlns:asvg="http://schemas.microsoft.com/office/drawing/2016/SVG/main" r:embed="rId3"/>
+                </a:ext>
+              </a:extLst>
+            </a:blip>
+            <a:srcRect/>
+            <a:stretch/>
+          </p:blipFill>
+          <p:spPr>
+            <a:xfrm>
+              <a:off x="7602639" y="5698249"/>
+              <a:ext cx="914400" cy="914400"/>
+            </a:xfrm>
+            <a:prstGeom prst="rect">
+              <a:avLst/>
+            </a:prstGeom>
+          </p:spPr>
+        </p:pic>
+        <p:sp>
+          <p:nvSpPr>
+            <p:cNvPr id="24" name="TextBox 23">
+              <a:extLst>
+                <a:ext uri="{FF2B5EF4-FFF2-40B4-BE49-F238E27FC236}">
+                  <a16:creationId xmlns:a16="http://schemas.microsoft.com/office/drawing/2014/main" id="{DF5E6C35-3C7C-7114-D072-76B4745533FC}"/>
+                </a:ext>
+              </a:extLst>
+            </p:cNvPr>
+            <p:cNvSpPr txBox="1"/>
+            <p:nvPr/>
+          </p:nvSpPr>
+          <p:spPr>
+            <a:xfrm>
+              <a:off x="7916597" y="5804856"/>
+              <a:ext cx="449762" cy="160664"/>
+            </a:xfrm>
+            <a:prstGeom prst="rect">
+              <a:avLst/>
+            </a:prstGeom>
+            <a:noFill/>
+          </p:spPr>
+          <p:txBody>
+            <a:bodyPr wrap="square" rtlCol="0">
+              <a:spAutoFit/>
+            </a:bodyPr>
+            <a:lstStyle/>
+            <a:p>
+              <a:r>
+                <a:rPr lang="en-IN" sz="2400" b="1" dirty="0">
+                  <a:solidFill>
+                    <a:schemeClr val="bg2">
+                      <a:lumMod val="25000"/>
+                    </a:schemeClr>
+                  </a:solidFill>
+                  <a:latin typeface="Product Sans" panose="020B0403030502040203" pitchFamily="34" charset="0"/>
+                </a:rPr>
+                <a:t>KPI 5</a:t>
+              </a:r>
+            </a:p>
+          </p:txBody>
+        </p:sp>
+      </p:grpSp>
+      <p:pic>
+        <p:nvPicPr>
+          <p:cNvPr id="12" name="Picture 11">
+            <a:hlinkClick r:id="rId4" action="ppaction://hlinksldjump"/>
+            <a:extLst>
+              <a:ext uri="{FF2B5EF4-FFF2-40B4-BE49-F238E27FC236}">
+                <a16:creationId xmlns:a16="http://schemas.microsoft.com/office/drawing/2014/main" id="{E3EDC88B-A778-B9DF-4485-2E36561E2198}"/>
+              </a:ext>
+            </a:extLst>
+          </p:cNvPr>
+          <p:cNvPicPr>
+            <a:picLocks noChangeAspect="1"/>
+          </p:cNvPicPr>
+          <p:nvPr/>
+        </p:nvPicPr>
+        <p:blipFill>
+          <a:blip r:embed="rId5">
+            <a:extLst>
+              <a:ext uri="{28A0092B-C50C-407E-A947-70E740481C1C}">
+                <a14:useLocalDpi xmlns:a14="http://schemas.microsoft.com/office/drawing/2010/main" val="0"/>
+              </a:ext>
+            </a:extLst>
+          </a:blip>
+          <a:stretch>
+            <a:fillRect/>
+          </a:stretch>
+        </p:blipFill>
+        <p:spPr>
+          <a:xfrm>
+            <a:off x="5376679" y="232580"/>
+            <a:ext cx="1438642" cy="1451603"/>
+          </a:xfrm>
+          <a:prstGeom prst="rect">
+            <a:avLst/>
+          </a:prstGeom>
+        </p:spPr>
+      </p:pic>
+      <p:sp>
+        <p:nvSpPr>
+          <p:cNvPr id="13" name="TextBox 12">
+            <a:extLst>
+              <a:ext uri="{FF2B5EF4-FFF2-40B4-BE49-F238E27FC236}">
+                <a16:creationId xmlns:a16="http://schemas.microsoft.com/office/drawing/2014/main" id="{D0E9792E-DA71-51E9-BED8-83DC5E0C327D}"/>
+              </a:ext>
+            </a:extLst>
+          </p:cNvPr>
+          <p:cNvSpPr txBox="1"/>
+          <p:nvPr/>
+        </p:nvSpPr>
+        <p:spPr>
+          <a:xfrm>
+            <a:off x="2643963" y="1831636"/>
+            <a:ext cx="6904074" cy="369332"/>
+          </a:xfrm>
+          <a:prstGeom prst="rect">
+            <a:avLst/>
+          </a:prstGeom>
+          <a:noFill/>
+        </p:spPr>
+        <p:txBody>
+          <a:bodyPr wrap="square" rtlCol="0">
+            <a:spAutoFit/>
+          </a:bodyPr>
+          <a:lstStyle/>
+          <a:p>
+            <a:pPr algn="ctr"/>
+            <a:r>
+              <a:rPr lang="en-US" b="1">
+                <a:solidFill>
+                  <a:schemeClr val="tx1">
+                    <a:lumMod val="75000"/>
+                    <a:lumOff val="25000"/>
+                  </a:schemeClr>
+                </a:solidFill>
+                <a:latin typeface="Product Sans" panose="020B0403030502040203" pitchFamily="34" charset="0"/>
+              </a:rPr>
+              <a:t>RECOMMENDATION BASED ON OVERALL ANALYSIS </a:t>
+            </a:r>
+            <a:endParaRPr lang="en-IN" b="1" dirty="0">
+              <a:solidFill>
+                <a:schemeClr val="tx1">
+                  <a:lumMod val="75000"/>
+                  <a:lumOff val="25000"/>
+                </a:schemeClr>
+              </a:solidFill>
+              <a:latin typeface="Product Sans" panose="020B0403030502040203" pitchFamily="34" charset="0"/>
+            </a:endParaRPr>
+          </a:p>
+        </p:txBody>
+      </p:sp>
+      <p:sp>
+        <p:nvSpPr>
+          <p:cNvPr id="2" name="TextBox 1">
+            <a:extLst>
+              <a:ext uri="{FF2B5EF4-FFF2-40B4-BE49-F238E27FC236}">
+                <a16:creationId xmlns:a16="http://schemas.microsoft.com/office/drawing/2014/main" id="{E822A677-B206-CA7B-1B25-B782478D7DE8}"/>
+              </a:ext>
+            </a:extLst>
+          </p:cNvPr>
+          <p:cNvSpPr txBox="1"/>
+          <p:nvPr/>
+        </p:nvSpPr>
+        <p:spPr>
+          <a:xfrm>
+            <a:off x="1529678" y="2316781"/>
+            <a:ext cx="9132642" cy="4201150"/>
+          </a:xfrm>
+          <a:prstGeom prst="rect">
+            <a:avLst/>
+          </a:prstGeom>
+          <a:noFill/>
+        </p:spPr>
+        <p:txBody>
+          <a:bodyPr wrap="square" rtlCol="0">
+            <a:spAutoFit/>
+          </a:bodyPr>
+          <a:lstStyle/>
+          <a:p>
+            <a:pPr marL="285750" indent="-285750" algn="l">
+              <a:spcBef>
+                <a:spcPts val="600"/>
+              </a:spcBef>
+              <a:buFont typeface="Arial" panose="020B0604020202020204" pitchFamily="34" charset="0"/>
+              <a:buChar char="•"/>
+            </a:pPr>
+            <a:r>
+              <a:rPr lang="en-US" b="1" dirty="0">
+                <a:latin typeface="Product Sans" panose="020B0403030502040203" pitchFamily="34" charset="0"/>
+              </a:rPr>
+              <a:t>PERSONALIZED MARKETING CAMPAIGNS: </a:t>
+            </a:r>
+            <a:r>
+              <a:rPr lang="en-US" dirty="0">
+                <a:latin typeface="Product Sans" panose="020B0403030502040203" pitchFamily="34" charset="0"/>
+              </a:rPr>
+              <a:t>Utilize customer data for targeted marketing campaigns tailored to individual purchase history, preferences, and location. Implement personalized promotions, discounts, and recommendations to boost customer engagement and retention.</a:t>
+            </a:r>
+          </a:p>
+          <a:p>
+            <a:pPr marL="285750" indent="-285750" algn="l">
+              <a:spcBef>
+                <a:spcPts val="600"/>
+              </a:spcBef>
+              <a:buFont typeface="Arial" panose="020B0604020202020204" pitchFamily="34" charset="0"/>
+              <a:buChar char="•"/>
+            </a:pPr>
+            <a:r>
+              <a:rPr lang="en-US" b="1" dirty="0">
+                <a:latin typeface="Product Sans" panose="020B0403030502040203" pitchFamily="34" charset="0"/>
+              </a:rPr>
+              <a:t>ENHANCED CUSTOMER SUPPORT: </a:t>
+            </a:r>
+            <a:r>
+              <a:rPr lang="en-US" dirty="0">
+                <a:latin typeface="Product Sans" panose="020B0403030502040203" pitchFamily="34" charset="0"/>
+              </a:rPr>
+              <a:t>Enhance customer support capabilities to address queries promptly and resolve issues effectively. Implement proactive communication strategies to keep customers informed about order status, delivery updates, and product inquiries throughout their purchase journey.</a:t>
+            </a:r>
+          </a:p>
+          <a:p>
+            <a:pPr marL="285750" indent="-285750" algn="l">
+              <a:spcBef>
+                <a:spcPts val="600"/>
+              </a:spcBef>
+              <a:buFont typeface="Arial" panose="020B0604020202020204" pitchFamily="34" charset="0"/>
+              <a:buChar char="•"/>
+            </a:pPr>
+            <a:r>
+              <a:rPr lang="en-US" b="1" dirty="0">
+                <a:latin typeface="Product Sans" panose="020B0403030502040203" pitchFamily="34" charset="0"/>
+              </a:rPr>
+              <a:t>PRODUCT ASSORTMENT OPTIMIZATION: </a:t>
+            </a:r>
+            <a:r>
+              <a:rPr lang="en-US" dirty="0">
+                <a:latin typeface="Product Sans" panose="020B0403030502040203" pitchFamily="34" charset="0"/>
+              </a:rPr>
+              <a:t>Consistently analyze product metrics to optimize assortment and meet customer needs. Introduce fresh products and collaborations to engage customers, while removing underperforming items.</a:t>
+            </a:r>
+          </a:p>
+          <a:p>
+            <a:pPr marL="285750" indent="-285750" algn="l">
+              <a:spcBef>
+                <a:spcPts val="600"/>
+              </a:spcBef>
+              <a:buFont typeface="Arial" panose="020B0604020202020204" pitchFamily="34" charset="0"/>
+              <a:buChar char="•"/>
+            </a:pPr>
+            <a:r>
+              <a:rPr lang="en-US" b="1" dirty="0">
+                <a:latin typeface="Product Sans" panose="020B0403030502040203" pitchFamily="34" charset="0"/>
+              </a:rPr>
+              <a:t>OPERATIONAL EFFICIENCY IMPROVEMENTS: </a:t>
+            </a:r>
+            <a:r>
+              <a:rPr lang="en-US" dirty="0">
+                <a:latin typeface="Product Sans" panose="020B0403030502040203" pitchFamily="34" charset="0"/>
+              </a:rPr>
+              <a:t>Improve order fulfillment efficiency by optimizing logistics and leveraging technology. Enhance delivery speed, accuracy, and reliability to exceed customer expectations and boost satisfaction.</a:t>
+            </a:r>
+          </a:p>
+        </p:txBody>
+      </p:sp>
+    </p:spTree>
+    <p:extLst>
+      <p:ext uri="{BB962C8B-B14F-4D97-AF65-F5344CB8AC3E}">
+        <p14:creationId xmlns:p14="http://schemas.microsoft.com/office/powerpoint/2010/main" val="1121999116"/>
+      </p:ext>
+    </p:extLst>
+  </p:cSld>
+  <p:clrMapOvr>
+    <a:masterClrMapping/>
+  </p:clrMapOvr>
+  <mc:AlternateContent xmlns:mc="http://schemas.openxmlformats.org/markup-compatibility/2006" xmlns:p159="http://schemas.microsoft.com/office/powerpoint/2015/09/main">
+    <mc:Choice Requires="p159">
+      <p:transition spd="med">
+        <p159:morph option="byObject"/>
+      </p:transition>
+    </mc:Choice>
+    <mc:Fallback xmlns="">
+      <p:transition spd="med">
+        <p:fade/>
+      </p:transition>
+    </mc:Fallback>
+  </mc:AlternateContent>
+</p:sld>
+</file>
+
+<file path=ppt/slides/slide14.xml><?xml version="1.0" encoding="utf-8"?>
 <p:sld xmlns:a="http://schemas.openxmlformats.org/drawingml/2006/main" xmlns:r="http://schemas.openxmlformats.org/officeDocument/2006/relationships" xmlns:p="http://schemas.openxmlformats.org/presentationml/2006/main">
   <p:cSld>
     <p:spTree>
@@ -17152,13 +17641,13 @@
   <p:clrMapOvr>
     <a:masterClrMapping/>
   </p:clrMapOvr>
-  <mc:AlternateContent xmlns:mc="http://schemas.openxmlformats.org/markup-compatibility/2006">
-    <mc:Choice xmlns:p159="http://schemas.microsoft.com/office/powerpoint/2015/09/main" Requires="p159">
+  <mc:AlternateContent xmlns:mc="http://schemas.openxmlformats.org/markup-compatibility/2006" xmlns:p159="http://schemas.microsoft.com/office/powerpoint/2015/09/main">
+    <mc:Choice Requires="p159">
       <p:transition spd="med">
         <p159:morph option="byObject"/>
       </p:transition>
     </mc:Choice>
-    <mc:Fallback>
+    <mc:Fallback xmlns="">
       <p:transition spd="med">
         <p:fade/>
       </p:transition>
@@ -17167,7 +17656,7 @@
 </p:sld>
 </file>
 
-<file path=ppt/slides/slide14.xml><?xml version="1.0" encoding="utf-8"?>
+<file path=ppt/slides/slide15.xml><?xml version="1.0" encoding="utf-8"?>
 <p:sld xmlns:a="http://schemas.openxmlformats.org/drawingml/2006/main" xmlns:r="http://schemas.openxmlformats.org/officeDocument/2006/relationships" xmlns:p="http://schemas.openxmlformats.org/presentationml/2006/main">
   <p:cSld>
     <p:spTree>
@@ -17481,13 +17970,13 @@
   <p:clrMapOvr>
     <a:masterClrMapping/>
   </p:clrMapOvr>
-  <mc:AlternateContent xmlns:mc="http://schemas.openxmlformats.org/markup-compatibility/2006">
-    <mc:Choice xmlns:p159="http://schemas.microsoft.com/office/powerpoint/2015/09/main" Requires="p159">
+  <mc:AlternateContent xmlns:mc="http://schemas.openxmlformats.org/markup-compatibility/2006" xmlns:p159="http://schemas.microsoft.com/office/powerpoint/2015/09/main">
+    <mc:Choice Requires="p159">
       <p:transition spd="med">
         <p159:morph option="byObject"/>
       </p:transition>
     </mc:Choice>
-    <mc:Fallback>
+    <mc:Fallback xmlns="">
       <p:transition spd="med">
         <p:fade/>
       </p:transition>
@@ -18248,6 +18737,74 @@
           </p:txBody>
         </p:sp>
       </p:grpSp>
+      <p:sp>
+        <p:nvSpPr>
+          <p:cNvPr id="2" name="TextBox 1">
+            <a:extLst>
+              <a:ext uri="{FF2B5EF4-FFF2-40B4-BE49-F238E27FC236}">
+                <a16:creationId xmlns:a16="http://schemas.microsoft.com/office/drawing/2014/main" id="{3B0D6E1E-409C-FB40-19E7-E58992B9A641}"/>
+              </a:ext>
+            </a:extLst>
+          </p:cNvPr>
+          <p:cNvSpPr txBox="1"/>
+          <p:nvPr/>
+        </p:nvSpPr>
+        <p:spPr>
+          <a:xfrm>
+            <a:off x="8656942" y="4944333"/>
+            <a:ext cx="3465474" cy="1200329"/>
+          </a:xfrm>
+          <a:prstGeom prst="rect">
+            <a:avLst/>
+          </a:prstGeom>
+          <a:noFill/>
+        </p:spPr>
+        <p:txBody>
+          <a:bodyPr wrap="square" rtlCol="0">
+            <a:spAutoFit/>
+          </a:bodyPr>
+          <a:lstStyle/>
+          <a:p>
+            <a:pPr algn="ctr"/>
+            <a:r>
+              <a:rPr lang="en-US" sz="2400" b="1" dirty="0">
+                <a:solidFill>
+                  <a:schemeClr val="tx1">
+                    <a:lumMod val="75000"/>
+                    <a:lumOff val="25000"/>
+                  </a:schemeClr>
+                </a:solidFill>
+                <a:latin typeface="Product Sans" panose="020B0403030502040203" pitchFamily="34" charset="0"/>
+              </a:rPr>
+              <a:t>KEY PERFORMANCE INDICATORS </a:t>
+            </a:r>
+          </a:p>
+          <a:p>
+            <a:pPr algn="ctr"/>
+            <a:r>
+              <a:rPr lang="en-US" sz="2400" b="1" dirty="0">
+                <a:solidFill>
+                  <a:schemeClr val="tx1">
+                    <a:lumMod val="75000"/>
+                    <a:lumOff val="25000"/>
+                  </a:schemeClr>
+                </a:solidFill>
+                <a:latin typeface="Product Sans" panose="020B0403030502040203" pitchFamily="34" charset="0"/>
+              </a:rPr>
+              <a:t>(KPIS)</a:t>
+            </a:r>
+            <a:endParaRPr lang="en-IN" sz="2400" b="1" dirty="0">
+              <a:solidFill>
+                <a:schemeClr val="tx1">
+                  <a:lumMod val="75000"/>
+                  <a:lumOff val="25000"/>
+                </a:schemeClr>
+              </a:solidFill>
+              <a:latin typeface="Product Sans" panose="020B0403030502040203" pitchFamily="34" charset="0"/>
+            </a:endParaRPr>
+          </a:p>
+        </p:txBody>
+      </p:sp>
     </p:spTree>
     <p:extLst>
       <p:ext uri="{BB962C8B-B14F-4D97-AF65-F5344CB8AC3E}">
@@ -18258,13 +18815,13 @@
   <p:clrMapOvr>
     <a:masterClrMapping/>
   </p:clrMapOvr>
-  <mc:AlternateContent xmlns:mc="http://schemas.openxmlformats.org/markup-compatibility/2006">
-    <mc:Choice xmlns:p159="http://schemas.microsoft.com/office/powerpoint/2015/09/main" Requires="p159">
+  <mc:AlternateContent xmlns:mc="http://schemas.openxmlformats.org/markup-compatibility/2006" xmlns:p159="http://schemas.microsoft.com/office/powerpoint/2015/09/main">
+    <mc:Choice Requires="p159">
       <p:transition spd="med">
         <p159:morph option="byObject"/>
       </p:transition>
     </mc:Choice>
-    <mc:Fallback>
+    <mc:Fallback xmlns="">
       <p:transition spd="med">
         <p:fade/>
       </p:transition>
@@ -18690,13 +19247,13 @@
   <p:clrMapOvr>
     <a:masterClrMapping/>
   </p:clrMapOvr>
-  <mc:AlternateContent xmlns:mc="http://schemas.openxmlformats.org/markup-compatibility/2006">
-    <mc:Choice xmlns:p159="http://schemas.microsoft.com/office/powerpoint/2015/09/main" Requires="p159">
+  <mc:AlternateContent xmlns:mc="http://schemas.openxmlformats.org/markup-compatibility/2006" xmlns:p159="http://schemas.microsoft.com/office/powerpoint/2015/09/main">
+    <mc:Choice Requires="p159">
       <p:transition spd="med">
         <p159:morph option="byObject"/>
       </p:transition>
     </mc:Choice>
-    <mc:Fallback>
+    <mc:Fallback xmlns="">
       <p:transition spd="med">
         <p:fade/>
       </p:transition>
@@ -19147,6 +19704,50 @@
           </a:prstGeom>
         </p:spPr>
       </p:pic>
+      <p:sp>
+        <p:nvSpPr>
+          <p:cNvPr id="5" name="TextBox 4">
+            <a:extLst>
+              <a:ext uri="{FF2B5EF4-FFF2-40B4-BE49-F238E27FC236}">
+                <a16:creationId xmlns:a16="http://schemas.microsoft.com/office/drawing/2014/main" id="{50D9D761-8D16-6248-CBB2-E0DB9EA827EF}"/>
+              </a:ext>
+            </a:extLst>
+          </p:cNvPr>
+          <p:cNvSpPr txBox="1"/>
+          <p:nvPr/>
+        </p:nvSpPr>
+        <p:spPr>
+          <a:xfrm>
+            <a:off x="10046144" y="6155174"/>
+            <a:ext cx="988814" cy="369332"/>
+          </a:xfrm>
+          <a:prstGeom prst="rect">
+            <a:avLst/>
+          </a:prstGeom>
+          <a:noFill/>
+        </p:spPr>
+        <p:txBody>
+          <a:bodyPr wrap="square" rtlCol="0">
+            <a:spAutoFit/>
+          </a:bodyPr>
+          <a:lstStyle/>
+          <a:p>
+            <a:r>
+              <a:rPr lang="en-US" sz="1800" b="1" kern="1200" dirty="0">
+                <a:solidFill>
+                  <a:srgbClr val="404040"/>
+                </a:solidFill>
+                <a:effectLst/>
+                <a:latin typeface="Product Sans" panose="020B0403030502040203" pitchFamily="34" charset="0"/>
+                <a:ea typeface="+mn-ea"/>
+                <a:cs typeface="+mn-cs"/>
+              </a:rPr>
+              <a:t>(Chart)</a:t>
+            </a:r>
+            <a:endParaRPr lang="en-IN" dirty="0"/>
+          </a:p>
+        </p:txBody>
+      </p:sp>
     </p:spTree>
     <p:extLst>
       <p:ext uri="{BB962C8B-B14F-4D97-AF65-F5344CB8AC3E}">
@@ -19157,13 +19758,13 @@
   <p:clrMapOvr>
     <a:masterClrMapping/>
   </p:clrMapOvr>
-  <mc:AlternateContent xmlns:mc="http://schemas.openxmlformats.org/markup-compatibility/2006">
-    <mc:Choice xmlns:p159="http://schemas.microsoft.com/office/powerpoint/2015/09/main" Requires="p159">
+  <mc:AlternateContent xmlns:mc="http://schemas.openxmlformats.org/markup-compatibility/2006" xmlns:p159="http://schemas.microsoft.com/office/powerpoint/2015/09/main">
+    <mc:Choice Requires="p159">
       <p:transition spd="med">
         <p159:morph option="byObject"/>
       </p:transition>
     </mc:Choice>
-    <mc:Fallback>
+    <mc:Fallback xmlns="">
       <p:transition spd="med">
         <p:fade/>
       </p:transition>
@@ -19657,13 +20258,13 @@
   <p:clrMapOvr>
     <a:masterClrMapping/>
   </p:clrMapOvr>
-  <mc:AlternateContent xmlns:mc="http://schemas.openxmlformats.org/markup-compatibility/2006">
-    <mc:Choice xmlns:p159="http://schemas.microsoft.com/office/powerpoint/2015/09/main" Requires="p159">
+  <mc:AlternateContent xmlns:mc="http://schemas.openxmlformats.org/markup-compatibility/2006" xmlns:p159="http://schemas.microsoft.com/office/powerpoint/2015/09/main">
+    <mc:Choice Requires="p159">
       <p:transition spd="med">
         <p159:morph option="byObject"/>
       </p:transition>
     </mc:Choice>
-    <mc:Fallback>
+    <mc:Fallback xmlns="">
       <p:transition spd="med">
         <p:fade/>
       </p:transition>
@@ -20216,6 +20817,50 @@
           </a:prstGeom>
         </p:spPr>
       </p:pic>
+      <p:sp>
+        <p:nvSpPr>
+          <p:cNvPr id="2" name="TextBox 1">
+            <a:extLst>
+              <a:ext uri="{FF2B5EF4-FFF2-40B4-BE49-F238E27FC236}">
+                <a16:creationId xmlns:a16="http://schemas.microsoft.com/office/drawing/2014/main" id="{8DFAA593-AF4C-5E90-5938-8D0D021843F9}"/>
+              </a:ext>
+            </a:extLst>
+          </p:cNvPr>
+          <p:cNvSpPr txBox="1"/>
+          <p:nvPr/>
+        </p:nvSpPr>
+        <p:spPr>
+          <a:xfrm>
+            <a:off x="9891845" y="1611619"/>
+            <a:ext cx="963454" cy="369332"/>
+          </a:xfrm>
+          <a:prstGeom prst="rect">
+            <a:avLst/>
+          </a:prstGeom>
+          <a:noFill/>
+        </p:spPr>
+        <p:txBody>
+          <a:bodyPr wrap="square">
+            <a:spAutoFit/>
+          </a:bodyPr>
+          <a:lstStyle/>
+          <a:p>
+            <a:r>
+              <a:rPr lang="en-US" sz="1800" b="1" kern="1200" dirty="0">
+                <a:solidFill>
+                  <a:srgbClr val="404040"/>
+                </a:solidFill>
+                <a:effectLst/>
+                <a:latin typeface="Product Sans" panose="020B0403030502040203" pitchFamily="34" charset="0"/>
+                <a:ea typeface="+mn-ea"/>
+                <a:cs typeface="+mn-cs"/>
+              </a:rPr>
+              <a:t>(Chart)</a:t>
+            </a:r>
+            <a:endParaRPr lang="en-IN" dirty="0"/>
+          </a:p>
+        </p:txBody>
+      </p:sp>
     </p:spTree>
     <p:extLst>
       <p:ext uri="{BB962C8B-B14F-4D97-AF65-F5344CB8AC3E}">
@@ -20226,13 +20871,13 @@
   <p:clrMapOvr>
     <a:masterClrMapping/>
   </p:clrMapOvr>
-  <mc:AlternateContent xmlns:mc="http://schemas.openxmlformats.org/markup-compatibility/2006">
-    <mc:Choice xmlns:p159="http://schemas.microsoft.com/office/powerpoint/2015/09/main" Requires="p159">
+  <mc:AlternateContent xmlns:mc="http://schemas.openxmlformats.org/markup-compatibility/2006" xmlns:p159="http://schemas.microsoft.com/office/powerpoint/2015/09/main">
+    <mc:Choice Requires="p159">
       <p:transition spd="med">
         <p159:morph option="byObject"/>
       </p:transition>
     </mc:Choice>
-    <mc:Fallback>
+    <mc:Fallback xmlns="">
       <p:transition spd="med">
         <p:fade/>
       </p:transition>
@@ -20723,13 +21368,13 @@
   <p:clrMapOvr>
     <a:masterClrMapping/>
   </p:clrMapOvr>
-  <mc:AlternateContent xmlns:mc="http://schemas.openxmlformats.org/markup-compatibility/2006">
-    <mc:Choice xmlns:p159="http://schemas.microsoft.com/office/powerpoint/2015/09/main" Requires="p159">
+  <mc:AlternateContent xmlns:mc="http://schemas.openxmlformats.org/markup-compatibility/2006" xmlns:p159="http://schemas.microsoft.com/office/powerpoint/2015/09/main">
+    <mc:Choice Requires="p159">
       <p:transition spd="med">
         <p159:morph option="byObject"/>
       </p:transition>
     </mc:Choice>
-    <mc:Fallback>
+    <mc:Fallback xmlns="">
       <p:transition spd="med">
         <p:fade/>
       </p:transition>
@@ -21279,6 +21924,50 @@
           </a:prstGeom>
         </p:spPr>
       </p:pic>
+      <p:sp>
+        <p:nvSpPr>
+          <p:cNvPr id="2" name="TextBox 1">
+            <a:extLst>
+              <a:ext uri="{FF2B5EF4-FFF2-40B4-BE49-F238E27FC236}">
+                <a16:creationId xmlns:a16="http://schemas.microsoft.com/office/drawing/2014/main" id="{DC79CC13-AA66-2CD5-0790-4D1C8199AC40}"/>
+              </a:ext>
+            </a:extLst>
+          </p:cNvPr>
+          <p:cNvSpPr txBox="1"/>
+          <p:nvPr/>
+        </p:nvSpPr>
+        <p:spPr>
+          <a:xfrm>
+            <a:off x="9871427" y="6088417"/>
+            <a:ext cx="977722" cy="369332"/>
+          </a:xfrm>
+          <a:prstGeom prst="rect">
+            <a:avLst/>
+          </a:prstGeom>
+          <a:noFill/>
+        </p:spPr>
+        <p:txBody>
+          <a:bodyPr wrap="square">
+            <a:spAutoFit/>
+          </a:bodyPr>
+          <a:lstStyle/>
+          <a:p>
+            <a:r>
+              <a:rPr lang="en-US" sz="1800" b="1" kern="1200" dirty="0">
+                <a:solidFill>
+                  <a:srgbClr val="404040"/>
+                </a:solidFill>
+                <a:effectLst/>
+                <a:latin typeface="Product Sans" panose="020B0403030502040203" pitchFamily="34" charset="0"/>
+                <a:ea typeface="+mn-ea"/>
+                <a:cs typeface="+mn-cs"/>
+              </a:rPr>
+              <a:t>(Chart)</a:t>
+            </a:r>
+            <a:endParaRPr lang="en-IN" dirty="0"/>
+          </a:p>
+        </p:txBody>
+      </p:sp>
     </p:spTree>
     <p:extLst>
       <p:ext uri="{BB962C8B-B14F-4D97-AF65-F5344CB8AC3E}">
@@ -21289,13 +21978,13 @@
   <p:clrMapOvr>
     <a:masterClrMapping/>
   </p:clrMapOvr>
-  <mc:AlternateContent xmlns:mc="http://schemas.openxmlformats.org/markup-compatibility/2006">
-    <mc:Choice xmlns:p159="http://schemas.microsoft.com/office/powerpoint/2015/09/main" Requires="p159">
+  <mc:AlternateContent xmlns:mc="http://schemas.openxmlformats.org/markup-compatibility/2006" xmlns:p159="http://schemas.microsoft.com/office/powerpoint/2015/09/main">
+    <mc:Choice Requires="p159">
       <p:transition spd="med">
         <p159:morph option="byObject"/>
       </p:transition>
     </mc:Choice>
-    <mc:Fallback>
+    <mc:Fallback xmlns="">
       <p:transition spd="med">
         <p:fade/>
       </p:transition>
@@ -21811,13 +22500,13 @@
   <p:clrMapOvr>
     <a:masterClrMapping/>
   </p:clrMapOvr>
-  <mc:AlternateContent xmlns:mc="http://schemas.openxmlformats.org/markup-compatibility/2006">
-    <mc:Choice xmlns:p159="http://schemas.microsoft.com/office/powerpoint/2015/09/main" Requires="p159">
+  <mc:AlternateContent xmlns:mc="http://schemas.openxmlformats.org/markup-compatibility/2006" xmlns:p159="http://schemas.microsoft.com/office/powerpoint/2015/09/main">
+    <mc:Choice Requires="p159">
       <p:transition spd="med">
         <p159:morph option="byObject"/>
       </p:transition>
     </mc:Choice>
-    <mc:Fallback>
+    <mc:Fallback xmlns="">
       <p:transition spd="med">
         <p:fade/>
       </p:transition>
